--- a/lesson24.pptx
+++ b/lesson24.pptx
@@ -361,7 +361,7 @@
   <pc:docChgLst>
     <pc:chgData name="Anatoliy Kigel" userId="7432c6c4687b0a9c" providerId="LiveId" clId="{EDE5AEAD-6A2B-4E26-A619-6D287CEAA719}"/>
     <pc:docChg chg="undo custSel addSld delSld modSld">
-      <pc:chgData name="Anatoliy Kigel" userId="7432c6c4687b0a9c" providerId="LiveId" clId="{EDE5AEAD-6A2B-4E26-A619-6D287CEAA719}" dt="2021-06-15T09:28:42.513" v="27" actId="47"/>
+      <pc:chgData name="Anatoliy Kigel" userId="7432c6c4687b0a9c" providerId="LiveId" clId="{EDE5AEAD-6A2B-4E26-A619-6D287CEAA719}" dt="2021-06-21T11:35:30.632" v="28" actId="478"/>
       <pc:docMkLst>
         <pc:docMk/>
       </pc:docMkLst>
@@ -452,12 +452,20 @@
           <pc:sldMk cId="1732701457" sldId="504"/>
         </pc:sldMkLst>
       </pc:sldChg>
-      <pc:sldChg chg="add">
-        <pc:chgData name="Anatoliy Kigel" userId="7432c6c4687b0a9c" providerId="LiveId" clId="{EDE5AEAD-6A2B-4E26-A619-6D287CEAA719}" dt="2021-06-15T09:27:10.419" v="4"/>
+      <pc:sldChg chg="delSp add mod">
+        <pc:chgData name="Anatoliy Kigel" userId="7432c6c4687b0a9c" providerId="LiveId" clId="{EDE5AEAD-6A2B-4E26-A619-6D287CEAA719}" dt="2021-06-21T11:35:30.632" v="28" actId="478"/>
         <pc:sldMkLst>
           <pc:docMk/>
           <pc:sldMk cId="2851793295" sldId="506"/>
         </pc:sldMkLst>
+        <pc:spChg chg="del">
+          <ac:chgData name="Anatoliy Kigel" userId="7432c6c4687b0a9c" providerId="LiveId" clId="{EDE5AEAD-6A2B-4E26-A619-6D287CEAA719}" dt="2021-06-21T11:35:30.632" v="28" actId="478"/>
+          <ac:spMkLst>
+            <pc:docMk/>
+            <pc:sldMk cId="2851793295" sldId="506"/>
+            <ac:spMk id="5" creationId="{00000000-0000-0000-0000-000000000000}"/>
+          </ac:spMkLst>
+        </pc:spChg>
       </pc:sldChg>
       <pc:sldChg chg="add">
         <pc:chgData name="Anatoliy Kigel" userId="7432c6c4687b0a9c" providerId="LiveId" clId="{EDE5AEAD-6A2B-4E26-A619-6D287CEAA719}" dt="2021-06-15T09:27:10.419" v="4"/>
@@ -710,7 +718,7 @@
             <a:fld id="{85522811-C5C6-42D2-A409-F8556720C93F}" type="datetimeFigureOut">
               <a:rPr lang="uk-UA" smtClean="0"/>
               <a:pPr/>
-              <a:t>15.06.2021</a:t>
+              <a:t>21.06.2021</a:t>
             </a:fld>
             <a:endParaRPr lang="uk-UA" dirty="0"/>
           </a:p>
@@ -1255,7 +1263,7 @@
             <a:fld id="{0A2E6AC4-C3FE-4E70-88D1-136405B25267}" type="datetime1">
               <a:rPr lang="uk-UA" smtClean="0"/>
               <a:pPr/>
-              <a:t>15.06.2021</a:t>
+              <a:t>21.06.2021</a:t>
             </a:fld>
             <a:endParaRPr lang="uk-UA" dirty="0"/>
           </a:p>
@@ -1422,7 +1430,7 @@
             <a:fld id="{B4D85949-5AE9-41F1-B18C-DA1006B0E8CC}" type="datetime1">
               <a:rPr lang="uk-UA" smtClean="0"/>
               <a:pPr/>
-              <a:t>15.06.2021</a:t>
+              <a:t>21.06.2021</a:t>
             </a:fld>
             <a:endParaRPr lang="uk-UA" dirty="0"/>
           </a:p>
@@ -1599,7 +1607,7 @@
             <a:fld id="{B20C227C-94C5-4BA1-A89C-1C7570144B22}" type="datetime1">
               <a:rPr lang="uk-UA" smtClean="0"/>
               <a:pPr/>
-              <a:t>15.06.2021</a:t>
+              <a:t>21.06.2021</a:t>
             </a:fld>
             <a:endParaRPr lang="uk-UA" dirty="0"/>
           </a:p>
@@ -1766,7 +1774,7 @@
             <a:fld id="{68E2E168-B245-4D8D-8538-B29990DBF87B}" type="datetime1">
               <a:rPr lang="uk-UA" smtClean="0"/>
               <a:pPr/>
-              <a:t>15.06.2021</a:t>
+              <a:t>21.06.2021</a:t>
             </a:fld>
             <a:endParaRPr lang="uk-UA" dirty="0"/>
           </a:p>
@@ -2009,7 +2017,7 @@
             <a:fld id="{356DAF6E-7007-4E61-B36E-794BF232B234}" type="datetime1">
               <a:rPr lang="uk-UA" smtClean="0"/>
               <a:pPr/>
-              <a:t>15.06.2021</a:t>
+              <a:t>21.06.2021</a:t>
             </a:fld>
             <a:endParaRPr lang="uk-UA" dirty="0"/>
           </a:p>
@@ -2294,7 +2302,7 @@
             <a:fld id="{4B2141DD-FE72-44AA-B946-B70892F1F5B7}" type="datetime1">
               <a:rPr lang="uk-UA" smtClean="0"/>
               <a:pPr/>
-              <a:t>15.06.2021</a:t>
+              <a:t>21.06.2021</a:t>
             </a:fld>
             <a:endParaRPr lang="uk-UA" dirty="0"/>
           </a:p>
@@ -2713,7 +2721,7 @@
             <a:fld id="{D1C4DC7C-6CC4-4D1F-A21B-A650800E0532}" type="datetime1">
               <a:rPr lang="uk-UA" smtClean="0"/>
               <a:pPr/>
-              <a:t>15.06.2021</a:t>
+              <a:t>21.06.2021</a:t>
             </a:fld>
             <a:endParaRPr lang="uk-UA" dirty="0"/>
           </a:p>
@@ -2828,7 +2836,7 @@
             <a:fld id="{09E753FA-BE70-4E9D-A1A2-A798C2E22C2C}" type="datetime1">
               <a:rPr lang="uk-UA" smtClean="0"/>
               <a:pPr/>
-              <a:t>15.06.2021</a:t>
+              <a:t>21.06.2021</a:t>
             </a:fld>
             <a:endParaRPr lang="uk-UA" dirty="0"/>
           </a:p>
@@ -2920,7 +2928,7 @@
             <a:fld id="{BC4E9D1B-A194-48C6-B5A1-4C29D0F81227}" type="datetime1">
               <a:rPr lang="uk-UA" smtClean="0"/>
               <a:pPr/>
-              <a:t>15.06.2021</a:t>
+              <a:t>21.06.2021</a:t>
             </a:fld>
             <a:endParaRPr lang="uk-UA" dirty="0"/>
           </a:p>
@@ -3194,7 +3202,7 @@
             <a:fld id="{98DC5B78-3AEE-4E8C-84A2-DF8B252C6B7D}" type="datetime1">
               <a:rPr lang="uk-UA" smtClean="0"/>
               <a:pPr/>
-              <a:t>15.06.2021</a:t>
+              <a:t>21.06.2021</a:t>
             </a:fld>
             <a:endParaRPr lang="uk-UA" dirty="0"/>
           </a:p>
@@ -3444,7 +3452,7 @@
             <a:fld id="{08E6AC05-7690-4D29-B090-15CFA8055B58}" type="datetime1">
               <a:rPr lang="uk-UA" smtClean="0"/>
               <a:pPr/>
-              <a:t>15.06.2021</a:t>
+              <a:t>21.06.2021</a:t>
             </a:fld>
             <a:endParaRPr lang="uk-UA" dirty="0"/>
           </a:p>
@@ -3654,7 +3662,7 @@
             <a:fld id="{C4778AB5-85A2-4D58-9351-A198925B541D}" type="datetime1">
               <a:rPr lang="uk-UA" smtClean="0"/>
               <a:pPr/>
-              <a:t>15.06.2021</a:t>
+              <a:t>21.06.2021</a:t>
             </a:fld>
             <a:endParaRPr lang="uk-UA" dirty="0"/>
           </a:p>
@@ -6814,68 +6822,6 @@
             <a:endParaRPr lang="uk-UA" sz="5400" b="1" dirty="0">
               <a:solidFill>
                 <a:srgbClr val="00B050"/>
-              </a:solidFill>
-            </a:endParaRPr>
-          </a:p>
-        </p:txBody>
-      </p:sp>
-      <p:sp>
-        <p:nvSpPr>
-          <p:cNvPr id="5" name="Прямоугольник 4"/>
-          <p:cNvSpPr/>
-          <p:nvPr/>
-        </p:nvSpPr>
-        <p:spPr>
-          <a:xfrm>
-            <a:off x="1" y="4571836"/>
-            <a:ext cx="12192000" cy="769441"/>
-          </a:xfrm>
-          <a:prstGeom prst="rect">
-            <a:avLst/>
-          </a:prstGeom>
-        </p:spPr>
-        <p:txBody>
-          <a:bodyPr wrap="square">
-            <a:spAutoFit/>
-          </a:bodyPr>
-          <a:lstStyle/>
-          <a:p>
-            <a:pPr algn="ctr"/>
-            <a:r>
-              <a:rPr lang="ru-RU" sz="4400" b="1" dirty="0">
-                <a:solidFill>
-                  <a:schemeClr val="bg1">
-                    <a:lumMod val="65000"/>
-                  </a:schemeClr>
-                </a:solidFill>
-              </a:rPr>
-              <a:t>(</a:t>
-            </a:r>
-            <a:r>
-              <a:rPr lang="ru-RU" sz="4400" b="1" i="1" dirty="0">
-                <a:solidFill>
-                  <a:schemeClr val="bg1">
-                    <a:lumMod val="65000"/>
-                  </a:schemeClr>
-                </a:solidFill>
-              </a:rPr>
-              <a:t>детальнее по ходу курса</a:t>
-            </a:r>
-            <a:r>
-              <a:rPr lang="ru-RU" sz="4400" b="1" dirty="0">
-                <a:solidFill>
-                  <a:schemeClr val="bg1">
-                    <a:lumMod val="65000"/>
-                  </a:schemeClr>
-                </a:solidFill>
-              </a:rPr>
-              <a:t>)</a:t>
-            </a:r>
-            <a:endParaRPr lang="en-US" sz="2400" b="1" dirty="0">
-              <a:solidFill>
-                <a:schemeClr val="bg1">
-                  <a:lumMod val="65000"/>
-                </a:schemeClr>
               </a:solidFill>
             </a:endParaRPr>
           </a:p>
